--- a/prezentacie/c06w.pptx
+++ b/prezentacie/c06w.pptx
@@ -249,7 +249,7 @@
           <a:p>
             <a:fld id="{10052495-8BC8-4CFB-94B1-B0429F101A0D}" type="datetimeFigureOut">
               <a:rPr lang="sk-SK" smtClean="0"/>
-              <a:t>3. 10. 2025</a:t>
+              <a:t>20. 10. 2025</a:t>
             </a:fld>
             <a:endParaRPr lang="sk-SK"/>
           </a:p>
@@ -419,7 +419,7 @@
           <a:p>
             <a:fld id="{10052495-8BC8-4CFB-94B1-B0429F101A0D}" type="datetimeFigureOut">
               <a:rPr lang="sk-SK" smtClean="0"/>
-              <a:t>3. 10. 2025</a:t>
+              <a:t>20. 10. 2025</a:t>
             </a:fld>
             <a:endParaRPr lang="sk-SK"/>
           </a:p>
@@ -599,7 +599,7 @@
           <a:p>
             <a:fld id="{10052495-8BC8-4CFB-94B1-B0429F101A0D}" type="datetimeFigureOut">
               <a:rPr lang="sk-SK" smtClean="0"/>
-              <a:t>3. 10. 2025</a:t>
+              <a:t>20. 10. 2025</a:t>
             </a:fld>
             <a:endParaRPr lang="sk-SK"/>
           </a:p>
@@ -769,7 +769,7 @@
           <a:p>
             <a:fld id="{10052495-8BC8-4CFB-94B1-B0429F101A0D}" type="datetimeFigureOut">
               <a:rPr lang="sk-SK" smtClean="0"/>
-              <a:t>3. 10. 2025</a:t>
+              <a:t>20. 10. 2025</a:t>
             </a:fld>
             <a:endParaRPr lang="sk-SK"/>
           </a:p>
@@ -1015,7 +1015,7 @@
           <a:p>
             <a:fld id="{10052495-8BC8-4CFB-94B1-B0429F101A0D}" type="datetimeFigureOut">
               <a:rPr lang="sk-SK" smtClean="0"/>
-              <a:t>3. 10. 2025</a:t>
+              <a:t>20. 10. 2025</a:t>
             </a:fld>
             <a:endParaRPr lang="sk-SK"/>
           </a:p>
@@ -1247,7 +1247,7 @@
           <a:p>
             <a:fld id="{10052495-8BC8-4CFB-94B1-B0429F101A0D}" type="datetimeFigureOut">
               <a:rPr lang="sk-SK" smtClean="0"/>
-              <a:t>3. 10. 2025</a:t>
+              <a:t>20. 10. 2025</a:t>
             </a:fld>
             <a:endParaRPr lang="sk-SK"/>
           </a:p>
@@ -1614,7 +1614,7 @@
           <a:p>
             <a:fld id="{10052495-8BC8-4CFB-94B1-B0429F101A0D}" type="datetimeFigureOut">
               <a:rPr lang="sk-SK" smtClean="0"/>
-              <a:t>3. 10. 2025</a:t>
+              <a:t>20. 10. 2025</a:t>
             </a:fld>
             <a:endParaRPr lang="sk-SK"/>
           </a:p>
@@ -1732,7 +1732,7 @@
           <a:p>
             <a:fld id="{10052495-8BC8-4CFB-94B1-B0429F101A0D}" type="datetimeFigureOut">
               <a:rPr lang="sk-SK" smtClean="0"/>
-              <a:t>3. 10. 2025</a:t>
+              <a:t>20. 10. 2025</a:t>
             </a:fld>
             <a:endParaRPr lang="sk-SK"/>
           </a:p>
@@ -1827,7 +1827,7 @@
           <a:p>
             <a:fld id="{10052495-8BC8-4CFB-94B1-B0429F101A0D}" type="datetimeFigureOut">
               <a:rPr lang="sk-SK" smtClean="0"/>
-              <a:t>3. 10. 2025</a:t>
+              <a:t>20. 10. 2025</a:t>
             </a:fld>
             <a:endParaRPr lang="sk-SK"/>
           </a:p>
@@ -2104,7 +2104,7 @@
           <a:p>
             <a:fld id="{10052495-8BC8-4CFB-94B1-B0429F101A0D}" type="datetimeFigureOut">
               <a:rPr lang="sk-SK" smtClean="0"/>
-              <a:t>3. 10. 2025</a:t>
+              <a:t>20. 10. 2025</a:t>
             </a:fld>
             <a:endParaRPr lang="sk-SK"/>
           </a:p>
@@ -2361,7 +2361,7 @@
           <a:p>
             <a:fld id="{10052495-8BC8-4CFB-94B1-B0429F101A0D}" type="datetimeFigureOut">
               <a:rPr lang="sk-SK" smtClean="0"/>
-              <a:t>3. 10. 2025</a:t>
+              <a:t>20. 10. 2025</a:t>
             </a:fld>
             <a:endParaRPr lang="sk-SK"/>
           </a:p>
@@ -2574,7 +2574,7 @@
           <a:p>
             <a:fld id="{10052495-8BC8-4CFB-94B1-B0429F101A0D}" type="datetimeFigureOut">
               <a:rPr lang="sk-SK" smtClean="0"/>
-              <a:t>3. 10. 2025</a:t>
+              <a:t>20. 10. 2025</a:t>
             </a:fld>
             <a:endParaRPr lang="sk-SK"/>
           </a:p>
@@ -4898,7 +4898,7 @@
                 </a:highlight>
                 <a:latin typeface="Consolas" panose="020B0609020204030204" pitchFamily="49" charset="0"/>
               </a:rPr>
-              <a:t>")); //  1 (dlhší je väčší)</a:t>
+              <a:t>"); //  1 (dlhší je väčší)</a:t>
             </a:r>
           </a:p>
           <a:p>
